--- a/Project3.pptx
+++ b/Project3.pptx
@@ -12,10 +12,10 @@
     <p:sldId id="258" r:id="rId3"/>
     <p:sldId id="259" r:id="rId4"/>
     <p:sldId id="260" r:id="rId5"/>
-    <p:sldId id="261" r:id="rId6"/>
-    <p:sldId id="262" r:id="rId7"/>
-    <p:sldId id="263" r:id="rId8"/>
-    <p:sldId id="264" r:id="rId9"/>
+    <p:sldId id="264" r:id="rId6"/>
+    <p:sldId id="261" r:id="rId7"/>
+    <p:sldId id="262" r:id="rId8"/>
+    <p:sldId id="263" r:id="rId9"/>
     <p:sldId id="265" r:id="rId10"/>
   </p:sldIdLst>
   <p:sldSz cx="12192000" cy="6858000"/>
@@ -216,7 +216,7 @@
           <a:p>
             <a:fld id="{CAD6270E-5110-164C-9B38-BD140B78ED88}" type="datetimeFigureOut">
               <a:rPr lang="en-US" smtClean="0"/>
-              <a:t>1/15/25</a:t>
+              <a:t>1/16/25</a:t>
             </a:fld>
             <a:endParaRPr lang="en-US"/>
           </a:p>
@@ -947,48 +947,6 @@
               <a:t>ANNA</a:t>
             </a:r>
           </a:p>
-          <a:p>
-            <a:r>
-              <a:rPr lang="en-US" dirty="0"/>
-              <a:t>After exploratory analysis we cleaned up the tables by updating the column names to better describe the data and updating the date format to stay consistent across </a:t>
-            </a:r>
-            <a:r>
-              <a:rPr lang="en-US" dirty="0" err="1"/>
-              <a:t>dataframes</a:t>
-            </a:r>
-            <a:r>
-              <a:rPr lang="en-US" dirty="0"/>
-              <a:t>. </a:t>
-            </a:r>
-          </a:p>
-          <a:p>
-            <a:r>
-              <a:rPr lang="en-US" dirty="0"/>
-              <a:t>We also created a new </a:t>
-            </a:r>
-            <a:r>
-              <a:rPr lang="en-US" dirty="0" err="1"/>
-              <a:t>dataframe</a:t>
-            </a:r>
-            <a:r>
-              <a:rPr lang="en-US" dirty="0"/>
-              <a:t> with the country code and country name. </a:t>
-            </a:r>
-          </a:p>
-          <a:p>
-            <a:r>
-              <a:rPr lang="en-US" dirty="0"/>
-              <a:t>Then, we exported the transformed </a:t>
-            </a:r>
-            <a:r>
-              <a:rPr lang="en-US" dirty="0" err="1"/>
-              <a:t>dataframes</a:t>
-            </a:r>
-            <a:r>
-              <a:rPr lang="en-US" dirty="0"/>
-              <a:t> to CSV files to use in our  DQL database.</a:t>
-            </a:r>
-          </a:p>
         </p:txBody>
       </p:sp>
       <p:sp>
@@ -1017,7 +975,7 @@
     </p:spTree>
     <p:extLst>
       <p:ext uri="{BB962C8B-B14F-4D97-AF65-F5344CB8AC3E}">
-        <p14:creationId xmlns:p14="http://schemas.microsoft.com/office/powerpoint/2010/main" val="3512096603"/>
+        <p14:creationId xmlns:p14="http://schemas.microsoft.com/office/powerpoint/2010/main" val="3530762743"/>
       </p:ext>
     </p:extLst>
   </p:cSld>
@@ -1073,7 +1031,49 @@
           <a:p>
             <a:r>
               <a:rPr lang="en-US" dirty="0"/>
-              <a:t>RANIA</a:t>
+              <a:t>ANNA</a:t>
+            </a:r>
+          </a:p>
+          <a:p>
+            <a:r>
+              <a:rPr lang="en-US" dirty="0"/>
+              <a:t>After exploratory analysis we cleaned up the tables by updating the column names to better describe the data and updating the date format to stay consistent across </a:t>
+            </a:r>
+            <a:r>
+              <a:rPr lang="en-US" dirty="0" err="1"/>
+              <a:t>dataframes</a:t>
+            </a:r>
+            <a:r>
+              <a:rPr lang="en-US" dirty="0"/>
+              <a:t>. </a:t>
+            </a:r>
+          </a:p>
+          <a:p>
+            <a:r>
+              <a:rPr lang="en-US" dirty="0"/>
+              <a:t>We also created a new </a:t>
+            </a:r>
+            <a:r>
+              <a:rPr lang="en-US" dirty="0" err="1"/>
+              <a:t>dataframe</a:t>
+            </a:r>
+            <a:r>
+              <a:rPr lang="en-US" dirty="0"/>
+              <a:t> with the country code and country name. </a:t>
+            </a:r>
+          </a:p>
+          <a:p>
+            <a:r>
+              <a:rPr lang="en-US" dirty="0"/>
+              <a:t>Then, we exported the transformed </a:t>
+            </a:r>
+            <a:r>
+              <a:rPr lang="en-US" dirty="0" err="1"/>
+              <a:t>dataframes</a:t>
+            </a:r>
+            <a:r>
+              <a:rPr lang="en-US" dirty="0"/>
+              <a:t> to CSV files to use in our  DQL database.</a:t>
             </a:r>
           </a:p>
         </p:txBody>
@@ -1104,7 +1104,7 @@
     </p:spTree>
     <p:extLst>
       <p:ext uri="{BB962C8B-B14F-4D97-AF65-F5344CB8AC3E}">
-        <p14:creationId xmlns:p14="http://schemas.microsoft.com/office/powerpoint/2010/main" val="128709398"/>
+        <p14:creationId xmlns:p14="http://schemas.microsoft.com/office/powerpoint/2010/main" val="3512096603"/>
       </p:ext>
     </p:extLst>
   </p:cSld>
@@ -1163,12 +1163,6 @@
               <a:t>RANIA</a:t>
             </a:r>
           </a:p>
-          <a:p>
-            <a:r>
-              <a:rPr lang="en-US" dirty="0"/>
-              <a:t>We created the tables with relationships in a SQL database and the loaded the csv files against those tables for future use! </a:t>
-            </a:r>
-          </a:p>
         </p:txBody>
       </p:sp>
       <p:sp>
@@ -1197,7 +1191,7 @@
     </p:spTree>
     <p:extLst>
       <p:ext uri="{BB962C8B-B14F-4D97-AF65-F5344CB8AC3E}">
-        <p14:creationId xmlns:p14="http://schemas.microsoft.com/office/powerpoint/2010/main" val="1184534887"/>
+        <p14:creationId xmlns:p14="http://schemas.microsoft.com/office/powerpoint/2010/main" val="128709398"/>
       </p:ext>
     </p:extLst>
   </p:cSld>
@@ -1251,7 +1245,16 @@
           <a:bodyPr/>
           <a:lstStyle/>
           <a:p>
-            <a:endParaRPr lang="en-US" dirty="0"/>
+            <a:r>
+              <a:rPr lang="en-US" dirty="0"/>
+              <a:t>RANIA</a:t>
+            </a:r>
+          </a:p>
+          <a:p>
+            <a:r>
+              <a:rPr lang="en-US" dirty="0"/>
+              <a:t>We created the tables with relationships in a SQL database and the loaded the csv files against those tables for future use! </a:t>
+            </a:r>
           </a:p>
         </p:txBody>
       </p:sp>
@@ -1281,7 +1284,7 @@
     </p:spTree>
     <p:extLst>
       <p:ext uri="{BB962C8B-B14F-4D97-AF65-F5344CB8AC3E}">
-        <p14:creationId xmlns:p14="http://schemas.microsoft.com/office/powerpoint/2010/main" val="3530762743"/>
+        <p14:creationId xmlns:p14="http://schemas.microsoft.com/office/powerpoint/2010/main" val="1184534887"/>
       </p:ext>
     </p:extLst>
   </p:cSld>
@@ -1335,6 +1338,10 @@
           <a:bodyPr/>
           <a:lstStyle/>
           <a:p>
+            <a:r>
+              <a:rPr lang="en-US"/>
+              <a:t>RANIA</a:t>
+            </a:r>
             <a:endParaRPr lang="en-US" dirty="0"/>
           </a:p>
         </p:txBody>
@@ -1589,7 +1596,7 @@
             <a:fld id="{B61BEF0D-F0BB-DE4B-95CE-6DB70DBA9567}" type="datetimeFigureOut">
               <a:rPr lang="en-US" dirty="0"/>
               <a:pPr/>
-              <a:t>1/15/25</a:t>
+              <a:t>1/16/25</a:t>
             </a:fld>
             <a:endParaRPr lang="en-US" dirty="0"/>
           </a:p>
@@ -1877,7 +1884,7 @@
             <a:fld id="{B61BEF0D-F0BB-DE4B-95CE-6DB70DBA9567}" type="datetimeFigureOut">
               <a:rPr lang="en-US" dirty="0"/>
               <a:pPr/>
-              <a:t>1/15/25</a:t>
+              <a:t>1/16/25</a:t>
             </a:fld>
             <a:endParaRPr lang="en-US" dirty="0"/>
           </a:p>
@@ -2133,7 +2140,7 @@
             <a:fld id="{B61BEF0D-F0BB-DE4B-95CE-6DB70DBA9567}" type="datetimeFigureOut">
               <a:rPr lang="en-US" dirty="0"/>
               <a:pPr/>
-              <a:t>1/15/25</a:t>
+              <a:t>1/16/25</a:t>
             </a:fld>
             <a:endParaRPr lang="en-US" dirty="0"/>
           </a:p>
@@ -2599,7 +2606,7 @@
             <a:fld id="{B61BEF0D-F0BB-DE4B-95CE-6DB70DBA9567}" type="datetimeFigureOut">
               <a:rPr lang="en-US" dirty="0"/>
               <a:pPr/>
-              <a:t>1/15/25</a:t>
+              <a:t>1/16/25</a:t>
             </a:fld>
             <a:endParaRPr lang="en-US" dirty="0"/>
           </a:p>
@@ -2776,7 +2783,7 @@
             <a:fld id="{B61BEF0D-F0BB-DE4B-95CE-6DB70DBA9567}" type="datetimeFigureOut">
               <a:rPr lang="en-US" dirty="0"/>
               <a:pPr/>
-              <a:t>1/15/25</a:t>
+              <a:t>1/16/25</a:t>
             </a:fld>
             <a:endParaRPr lang="en-US" dirty="0"/>
           </a:p>
@@ -3349,7 +3356,7 @@
             <a:fld id="{B61BEF0D-F0BB-DE4B-95CE-6DB70DBA9567}" type="datetimeFigureOut">
               <a:rPr lang="en-US" dirty="0"/>
               <a:pPr/>
-              <a:t>1/15/25</a:t>
+              <a:t>1/16/25</a:t>
             </a:fld>
             <a:endParaRPr lang="en-US" dirty="0"/>
           </a:p>
@@ -3678,7 +3685,7 @@
             <a:fld id="{B61BEF0D-F0BB-DE4B-95CE-6DB70DBA9567}" type="datetimeFigureOut">
               <a:rPr lang="en-US" dirty="0"/>
               <a:pPr/>
-              <a:t>1/15/25</a:t>
+              <a:t>1/16/25</a:t>
             </a:fld>
             <a:endParaRPr lang="en-US" dirty="0"/>
           </a:p>
@@ -3850,7 +3857,7 @@
             <a:fld id="{B61BEF0D-F0BB-DE4B-95CE-6DB70DBA9567}" type="datetimeFigureOut">
               <a:rPr lang="en-US" dirty="0"/>
               <a:pPr/>
-              <a:t>1/15/25</a:t>
+              <a:t>1/16/25</a:t>
             </a:fld>
             <a:endParaRPr lang="en-US" dirty="0"/>
           </a:p>
@@ -4027,7 +4034,7 @@
             <a:fld id="{B61BEF0D-F0BB-DE4B-95CE-6DB70DBA9567}" type="datetimeFigureOut">
               <a:rPr lang="en-US" dirty="0"/>
               <a:pPr/>
-              <a:t>1/15/25</a:t>
+              <a:t>1/16/25</a:t>
             </a:fld>
             <a:endParaRPr lang="en-US" dirty="0"/>
           </a:p>
@@ -4194,7 +4201,7 @@
             <a:fld id="{B61BEF0D-F0BB-DE4B-95CE-6DB70DBA9567}" type="datetimeFigureOut">
               <a:rPr lang="en-US" dirty="0"/>
               <a:pPr/>
-              <a:t>1/15/25</a:t>
+              <a:t>1/16/25</a:t>
             </a:fld>
             <a:endParaRPr lang="en-US" dirty="0"/>
           </a:p>
@@ -4448,7 +4455,7 @@
             <a:fld id="{B61BEF0D-F0BB-DE4B-95CE-6DB70DBA9567}" type="datetimeFigureOut">
               <a:rPr lang="en-US" dirty="0"/>
               <a:pPr/>
-              <a:t>1/15/25</a:t>
+              <a:t>1/16/25</a:t>
             </a:fld>
             <a:endParaRPr lang="en-US" dirty="0"/>
           </a:p>
@@ -4737,7 +4744,7 @@
             <a:fld id="{B61BEF0D-F0BB-DE4B-95CE-6DB70DBA9567}" type="datetimeFigureOut">
               <a:rPr lang="en-US" dirty="0"/>
               <a:pPr/>
-              <a:t>1/15/25</a:t>
+              <a:t>1/16/25</a:t>
             </a:fld>
             <a:endParaRPr lang="en-US" dirty="0"/>
           </a:p>
@@ -5164,7 +5171,7 @@
             <a:fld id="{B61BEF0D-F0BB-DE4B-95CE-6DB70DBA9567}" type="datetimeFigureOut">
               <a:rPr lang="en-US" dirty="0"/>
               <a:pPr/>
-              <a:t>1/15/25</a:t>
+              <a:t>1/16/25</a:t>
             </a:fld>
             <a:endParaRPr lang="en-US" dirty="0"/>
           </a:p>
@@ -5279,7 +5286,7 @@
             <a:fld id="{B61BEF0D-F0BB-DE4B-95CE-6DB70DBA9567}" type="datetimeFigureOut">
               <a:rPr lang="en-US" dirty="0"/>
               <a:pPr/>
-              <a:t>1/15/25</a:t>
+              <a:t>1/16/25</a:t>
             </a:fld>
             <a:endParaRPr lang="en-US" dirty="0"/>
           </a:p>
@@ -5371,7 +5378,7 @@
             <a:fld id="{B61BEF0D-F0BB-DE4B-95CE-6DB70DBA9567}" type="datetimeFigureOut">
               <a:rPr lang="en-US" dirty="0"/>
               <a:pPr/>
-              <a:t>1/15/25</a:t>
+              <a:t>1/16/25</a:t>
             </a:fld>
             <a:endParaRPr lang="en-US" dirty="0"/>
           </a:p>
@@ -5651,7 +5658,7 @@
             <a:fld id="{B61BEF0D-F0BB-DE4B-95CE-6DB70DBA9567}" type="datetimeFigureOut">
               <a:rPr lang="en-US" dirty="0"/>
               <a:pPr/>
-              <a:t>1/15/25</a:t>
+              <a:t>1/16/25</a:t>
             </a:fld>
             <a:endParaRPr lang="en-US" dirty="0"/>
           </a:p>
@@ -5939,7 +5946,7 @@
             <a:fld id="{B61BEF0D-F0BB-DE4B-95CE-6DB70DBA9567}" type="datetimeFigureOut">
               <a:rPr lang="en-US" dirty="0"/>
               <a:pPr/>
-              <a:t>1/15/25</a:t>
+              <a:t>1/16/25</a:t>
             </a:fld>
             <a:endParaRPr lang="en-US" dirty="0"/>
           </a:p>
@@ -6167,7 +6174,7 @@
             <a:fld id="{B61BEF0D-F0BB-DE4B-95CE-6DB70DBA9567}" type="datetimeFigureOut">
               <a:rPr lang="en-US" dirty="0"/>
               <a:pPr/>
-              <a:t>1/15/25</a:t>
+              <a:t>1/16/25</a:t>
             </a:fld>
             <a:endParaRPr lang="en-US" dirty="0"/>
           </a:p>
@@ -10132,6 +10139,339 @@
           <p:cNvPr id="2" name="Title 1">
             <a:extLst>
               <a:ext uri="{FF2B5EF4-FFF2-40B4-BE49-F238E27FC236}">
+                <a16:creationId xmlns:a16="http://schemas.microsoft.com/office/drawing/2014/main" id="{18A9181D-BD97-8D60-E275-93901708E93E}"/>
+              </a:ext>
+            </a:extLst>
+          </p:cNvPr>
+          <p:cNvSpPr>
+            <a:spLocks noGrp="1"/>
+          </p:cNvSpPr>
+          <p:nvPr>
+            <p:ph type="title"/>
+          </p:nvPr>
+        </p:nvSpPr>
+        <p:spPr>
+          <a:xfrm>
+            <a:off x="6841776" y="1099185"/>
+            <a:ext cx="4613909" cy="842010"/>
+          </a:xfrm>
+        </p:spPr>
+        <p:txBody>
+          <a:bodyPr/>
+          <a:lstStyle/>
+          <a:p>
+            <a:pPr algn="ctr"/>
+            <a:r>
+              <a:rPr lang="en-US" dirty="0"/>
+              <a:t>visualizations</a:t>
+            </a:r>
+          </a:p>
+        </p:txBody>
+      </p:sp>
+      <p:pic>
+        <p:nvPicPr>
+          <p:cNvPr id="5" name="Picture 4" descr="A graph of different colored squares&#10;&#10;Description automatically generated">
+            <a:extLst>
+              <a:ext uri="{FF2B5EF4-FFF2-40B4-BE49-F238E27FC236}">
+                <a16:creationId xmlns:a16="http://schemas.microsoft.com/office/drawing/2014/main" id="{E987D0BD-22FC-8C9B-E2F1-47657274243A}"/>
+              </a:ext>
+            </a:extLst>
+          </p:cNvPr>
+          <p:cNvPicPr>
+            <a:picLocks noChangeAspect="1"/>
+          </p:cNvPicPr>
+          <p:nvPr/>
+        </p:nvPicPr>
+        <p:blipFill>
+          <a:blip r:embed="rId3"/>
+          <a:stretch>
+            <a:fillRect/>
+          </a:stretch>
+        </p:blipFill>
+        <p:spPr>
+          <a:xfrm>
+            <a:off x="0" y="0"/>
+            <a:ext cx="6305680" cy="3429000"/>
+          </a:xfrm>
+          <a:prstGeom prst="rect">
+            <a:avLst/>
+          </a:prstGeom>
+        </p:spPr>
+      </p:pic>
+      <p:pic>
+        <p:nvPicPr>
+          <p:cNvPr id="7" name="Picture 6" descr="A graph with lines and a line in the middle&#10;&#10;Description automatically generated with medium confidence">
+            <a:extLst>
+              <a:ext uri="{FF2B5EF4-FFF2-40B4-BE49-F238E27FC236}">
+                <a16:creationId xmlns:a16="http://schemas.microsoft.com/office/drawing/2014/main" id="{3983B850-F9AE-CBAE-422F-8E6D0E812562}"/>
+              </a:ext>
+            </a:extLst>
+          </p:cNvPr>
+          <p:cNvPicPr>
+            <a:picLocks noChangeAspect="1"/>
+          </p:cNvPicPr>
+          <p:nvPr/>
+        </p:nvPicPr>
+        <p:blipFill>
+          <a:blip r:embed="rId4"/>
+          <a:stretch>
+            <a:fillRect/>
+          </a:stretch>
+        </p:blipFill>
+        <p:spPr>
+          <a:xfrm>
+            <a:off x="5350644" y="3429000"/>
+            <a:ext cx="6841355" cy="3429000"/>
+          </a:xfrm>
+          <a:prstGeom prst="rect">
+            <a:avLst/>
+          </a:prstGeom>
+        </p:spPr>
+      </p:pic>
+      <p:sp>
+        <p:nvSpPr>
+          <p:cNvPr id="8" name="Content Placeholder 2">
+            <a:extLst>
+              <a:ext uri="{FF2B5EF4-FFF2-40B4-BE49-F238E27FC236}">
+                <a16:creationId xmlns:a16="http://schemas.microsoft.com/office/drawing/2014/main" id="{DA5A4C4D-D509-AC15-517A-07157BB9C6DA}"/>
+              </a:ext>
+            </a:extLst>
+          </p:cNvPr>
+          <p:cNvSpPr>
+            <a:spLocks noGrp="1"/>
+          </p:cNvSpPr>
+          <p:nvPr>
+            <p:ph idx="1"/>
+          </p:nvPr>
+        </p:nvSpPr>
+        <p:spPr>
+          <a:xfrm>
+            <a:off x="966537" y="3669030"/>
+            <a:ext cx="3417570" cy="2948940"/>
+          </a:xfrm>
+        </p:spPr>
+        <p:txBody>
+          <a:bodyPr>
+            <a:normAutofit/>
+          </a:bodyPr>
+          <a:lstStyle/>
+          <a:p>
+            <a:pPr marL="0" indent="0" algn="ctr">
+              <a:spcBef>
+                <a:spcPts val="0"/>
+              </a:spcBef>
+              <a:spcAft>
+                <a:spcPts val="0"/>
+              </a:spcAft>
+              <a:buNone/>
+            </a:pPr>
+            <a:r>
+              <a:rPr lang="en-US" dirty="0"/>
+              <a:t>Comparison of domestic and international travelers by holiday. </a:t>
+            </a:r>
+          </a:p>
+          <a:p>
+            <a:pPr marL="0" indent="0" algn="ctr">
+              <a:spcBef>
+                <a:spcPts val="0"/>
+              </a:spcBef>
+              <a:spcAft>
+                <a:spcPts val="0"/>
+              </a:spcAft>
+              <a:buNone/>
+            </a:pPr>
+            <a:endParaRPr lang="en-US" dirty="0"/>
+          </a:p>
+          <a:p>
+            <a:pPr marL="0" indent="0" algn="ctr">
+              <a:spcBef>
+                <a:spcPts val="0"/>
+              </a:spcBef>
+              <a:spcAft>
+                <a:spcPts val="0"/>
+              </a:spcAft>
+              <a:buNone/>
+            </a:pPr>
+            <a:endParaRPr lang="en-US" dirty="0"/>
+          </a:p>
+          <a:p>
+            <a:pPr marL="0" indent="0" algn="ctr">
+              <a:spcBef>
+                <a:spcPts val="0"/>
+              </a:spcBef>
+              <a:spcAft>
+                <a:spcPts val="0"/>
+              </a:spcAft>
+              <a:buNone/>
+            </a:pPr>
+            <a:r>
+              <a:rPr lang="en-US" dirty="0"/>
+              <a:t>Comparison of Domestic and International Travelers by month.</a:t>
+            </a:r>
+          </a:p>
+        </p:txBody>
+      </p:sp>
+      <p:sp>
+        <p:nvSpPr>
+          <p:cNvPr id="9" name="Down Arrow 8">
+            <a:extLst>
+              <a:ext uri="{FF2B5EF4-FFF2-40B4-BE49-F238E27FC236}">
+                <a16:creationId xmlns:a16="http://schemas.microsoft.com/office/drawing/2014/main" id="{C8FB0B9F-D79B-E56C-A909-68FF2394C9D0}"/>
+              </a:ext>
+            </a:extLst>
+          </p:cNvPr>
+          <p:cNvSpPr/>
+          <p:nvPr/>
+        </p:nvSpPr>
+        <p:spPr>
+          <a:xfrm rot="16200000">
+            <a:off x="4803559" y="5459293"/>
+            <a:ext cx="127632" cy="795262"/>
+          </a:xfrm>
+          <a:prstGeom prst="downArrow">
+            <a:avLst/>
+          </a:prstGeom>
+          <a:solidFill>
+            <a:schemeClr val="tx1"/>
+          </a:solidFill>
+          <a:ln>
+            <a:solidFill>
+              <a:schemeClr val="tx1"/>
+            </a:solidFill>
+          </a:ln>
+        </p:spPr>
+        <p:style>
+          <a:lnRef idx="2">
+            <a:schemeClr val="accent1">
+              <a:shade val="15000"/>
+            </a:schemeClr>
+          </a:lnRef>
+          <a:fillRef idx="1">
+            <a:schemeClr val="accent1"/>
+          </a:fillRef>
+          <a:effectRef idx="0">
+            <a:schemeClr val="accent1"/>
+          </a:effectRef>
+          <a:fontRef idx="minor">
+            <a:schemeClr val="lt1"/>
+          </a:fontRef>
+        </p:style>
+        <p:txBody>
+          <a:bodyPr rtlCol="0" anchor="ctr"/>
+          <a:lstStyle/>
+          <a:p>
+            <a:pPr algn="ctr"/>
+            <a:endParaRPr lang="en-US">
+              <a:ln>
+                <a:solidFill>
+                  <a:schemeClr val="tx2"/>
+                </a:solidFill>
+              </a:ln>
+              <a:solidFill>
+                <a:schemeClr val="tx2"/>
+              </a:solidFill>
+            </a:endParaRPr>
+          </a:p>
+        </p:txBody>
+      </p:sp>
+      <p:sp>
+        <p:nvSpPr>
+          <p:cNvPr id="10" name="Down Arrow 9">
+            <a:extLst>
+              <a:ext uri="{FF2B5EF4-FFF2-40B4-BE49-F238E27FC236}">
+                <a16:creationId xmlns:a16="http://schemas.microsoft.com/office/drawing/2014/main" id="{3BBAF1B2-7160-2C64-DC29-3F4BC15AF2B0}"/>
+              </a:ext>
+            </a:extLst>
+          </p:cNvPr>
+          <p:cNvSpPr/>
+          <p:nvPr/>
+        </p:nvSpPr>
+        <p:spPr>
+          <a:xfrm rot="10800000" flipH="1">
+            <a:off x="2629953" y="3487578"/>
+            <a:ext cx="90739" cy="362903"/>
+          </a:xfrm>
+          <a:prstGeom prst="downArrow">
+            <a:avLst/>
+          </a:prstGeom>
+          <a:solidFill>
+            <a:schemeClr val="tx1"/>
+          </a:solidFill>
+          <a:ln>
+            <a:solidFill>
+              <a:schemeClr val="tx1"/>
+            </a:solidFill>
+          </a:ln>
+        </p:spPr>
+        <p:style>
+          <a:lnRef idx="2">
+            <a:schemeClr val="accent1">
+              <a:shade val="15000"/>
+            </a:schemeClr>
+          </a:lnRef>
+          <a:fillRef idx="1">
+            <a:schemeClr val="accent1"/>
+          </a:fillRef>
+          <a:effectRef idx="0">
+            <a:schemeClr val="accent1"/>
+          </a:effectRef>
+          <a:fontRef idx="minor">
+            <a:schemeClr val="lt1"/>
+          </a:fontRef>
+        </p:style>
+        <p:txBody>
+          <a:bodyPr rtlCol="0" anchor="ctr"/>
+          <a:lstStyle/>
+          <a:p>
+            <a:pPr algn="ctr"/>
+            <a:endParaRPr lang="en-US">
+              <a:ln>
+                <a:solidFill>
+                  <a:schemeClr val="tx2"/>
+                </a:solidFill>
+              </a:ln>
+              <a:solidFill>
+                <a:schemeClr val="tx2"/>
+              </a:solidFill>
+            </a:endParaRPr>
+          </a:p>
+        </p:txBody>
+      </p:sp>
+    </p:spTree>
+    <p:extLst>
+      <p:ext uri="{BB962C8B-B14F-4D97-AF65-F5344CB8AC3E}">
+        <p14:creationId xmlns:p14="http://schemas.microsoft.com/office/powerpoint/2010/main" val="2008460676"/>
+      </p:ext>
+    </p:extLst>
+  </p:cSld>
+  <p:clrMapOvr>
+    <a:masterClrMapping/>
+  </p:clrMapOvr>
+</p:sld>
+</file>
+
+<file path=ppt/slides/slide6.xml><?xml version="1.0" encoding="utf-8"?>
+<p:sld xmlns:a="http://schemas.openxmlformats.org/drawingml/2006/main" xmlns:r="http://schemas.openxmlformats.org/officeDocument/2006/relationships" xmlns:p="http://schemas.openxmlformats.org/presentationml/2006/main">
+  <p:cSld>
+    <p:spTree>
+      <p:nvGrpSpPr>
+        <p:cNvPr id="1" name=""/>
+        <p:cNvGrpSpPr/>
+        <p:nvPr/>
+      </p:nvGrpSpPr>
+      <p:grpSpPr>
+        <a:xfrm>
+          <a:off x="0" y="0"/>
+          <a:ext cx="0" cy="0"/>
+          <a:chOff x="0" y="0"/>
+          <a:chExt cx="0" cy="0"/>
+        </a:xfrm>
+      </p:grpSpPr>
+      <p:sp>
+        <p:nvSpPr>
+          <p:cNvPr id="2" name="Title 1">
+            <a:extLst>
+              <a:ext uri="{FF2B5EF4-FFF2-40B4-BE49-F238E27FC236}">
                 <a16:creationId xmlns:a16="http://schemas.microsoft.com/office/drawing/2014/main" id="{A50EEA89-E688-7C7C-C03B-8A9D0E9D51DF}"/>
               </a:ext>
             </a:extLst>
@@ -10778,7 +11118,7 @@
 </p:sld>
 </file>
 
-<file path=ppt/slides/slide6.xml><?xml version="1.0" encoding="utf-8"?>
+<file path=ppt/slides/slide7.xml><?xml version="1.0" encoding="utf-8"?>
 <p:sld xmlns:a="http://schemas.openxmlformats.org/drawingml/2006/main" xmlns:r="http://schemas.openxmlformats.org/officeDocument/2006/relationships" xmlns:p="http://schemas.openxmlformats.org/presentationml/2006/main">
   <p:cSld>
     <p:spTree>
@@ -10908,7 +11248,7 @@
 </p:sld>
 </file>
 
-<file path=ppt/slides/slide7.xml><?xml version="1.0" encoding="utf-8"?>
+<file path=ppt/slides/slide8.xml><?xml version="1.0" encoding="utf-8"?>
 <p:sld xmlns:a="http://schemas.openxmlformats.org/drawingml/2006/main" xmlns:r="http://schemas.openxmlformats.org/officeDocument/2006/relationships" xmlns:p="http://schemas.openxmlformats.org/presentationml/2006/main">
   <p:cSld>
     <p:spTree>
@@ -11058,339 +11398,6 @@
     <p:extLst>
       <p:ext uri="{BB962C8B-B14F-4D97-AF65-F5344CB8AC3E}">
         <p14:creationId xmlns:p14="http://schemas.microsoft.com/office/powerpoint/2010/main" val="967832537"/>
-      </p:ext>
-    </p:extLst>
-  </p:cSld>
-  <p:clrMapOvr>
-    <a:masterClrMapping/>
-  </p:clrMapOvr>
-</p:sld>
-</file>
-
-<file path=ppt/slides/slide8.xml><?xml version="1.0" encoding="utf-8"?>
-<p:sld xmlns:a="http://schemas.openxmlformats.org/drawingml/2006/main" xmlns:r="http://schemas.openxmlformats.org/officeDocument/2006/relationships" xmlns:p="http://schemas.openxmlformats.org/presentationml/2006/main">
-  <p:cSld>
-    <p:spTree>
-      <p:nvGrpSpPr>
-        <p:cNvPr id="1" name=""/>
-        <p:cNvGrpSpPr/>
-        <p:nvPr/>
-      </p:nvGrpSpPr>
-      <p:grpSpPr>
-        <a:xfrm>
-          <a:off x="0" y="0"/>
-          <a:ext cx="0" cy="0"/>
-          <a:chOff x="0" y="0"/>
-          <a:chExt cx="0" cy="0"/>
-        </a:xfrm>
-      </p:grpSpPr>
-      <p:sp>
-        <p:nvSpPr>
-          <p:cNvPr id="2" name="Title 1">
-            <a:extLst>
-              <a:ext uri="{FF2B5EF4-FFF2-40B4-BE49-F238E27FC236}">
-                <a16:creationId xmlns:a16="http://schemas.microsoft.com/office/drawing/2014/main" id="{18A9181D-BD97-8D60-E275-93901708E93E}"/>
-              </a:ext>
-            </a:extLst>
-          </p:cNvPr>
-          <p:cNvSpPr>
-            <a:spLocks noGrp="1"/>
-          </p:cNvSpPr>
-          <p:nvPr>
-            <p:ph type="title"/>
-          </p:nvPr>
-        </p:nvSpPr>
-        <p:spPr>
-          <a:xfrm>
-            <a:off x="6841776" y="1099185"/>
-            <a:ext cx="4613909" cy="842010"/>
-          </a:xfrm>
-        </p:spPr>
-        <p:txBody>
-          <a:bodyPr/>
-          <a:lstStyle/>
-          <a:p>
-            <a:pPr algn="ctr"/>
-            <a:r>
-              <a:rPr lang="en-US" dirty="0"/>
-              <a:t>visualizations</a:t>
-            </a:r>
-          </a:p>
-        </p:txBody>
-      </p:sp>
-      <p:pic>
-        <p:nvPicPr>
-          <p:cNvPr id="5" name="Picture 4" descr="A graph of different colored squares&#10;&#10;Description automatically generated">
-            <a:extLst>
-              <a:ext uri="{FF2B5EF4-FFF2-40B4-BE49-F238E27FC236}">
-                <a16:creationId xmlns:a16="http://schemas.microsoft.com/office/drawing/2014/main" id="{E987D0BD-22FC-8C9B-E2F1-47657274243A}"/>
-              </a:ext>
-            </a:extLst>
-          </p:cNvPr>
-          <p:cNvPicPr>
-            <a:picLocks noChangeAspect="1"/>
-          </p:cNvPicPr>
-          <p:nvPr/>
-        </p:nvPicPr>
-        <p:blipFill>
-          <a:blip r:embed="rId3"/>
-          <a:stretch>
-            <a:fillRect/>
-          </a:stretch>
-        </p:blipFill>
-        <p:spPr>
-          <a:xfrm>
-            <a:off x="0" y="0"/>
-            <a:ext cx="6305680" cy="3429000"/>
-          </a:xfrm>
-          <a:prstGeom prst="rect">
-            <a:avLst/>
-          </a:prstGeom>
-        </p:spPr>
-      </p:pic>
-      <p:pic>
-        <p:nvPicPr>
-          <p:cNvPr id="7" name="Picture 6" descr="A graph with lines and a line in the middle&#10;&#10;Description automatically generated with medium confidence">
-            <a:extLst>
-              <a:ext uri="{FF2B5EF4-FFF2-40B4-BE49-F238E27FC236}">
-                <a16:creationId xmlns:a16="http://schemas.microsoft.com/office/drawing/2014/main" id="{3983B850-F9AE-CBAE-422F-8E6D0E812562}"/>
-              </a:ext>
-            </a:extLst>
-          </p:cNvPr>
-          <p:cNvPicPr>
-            <a:picLocks noChangeAspect="1"/>
-          </p:cNvPicPr>
-          <p:nvPr/>
-        </p:nvPicPr>
-        <p:blipFill>
-          <a:blip r:embed="rId4"/>
-          <a:stretch>
-            <a:fillRect/>
-          </a:stretch>
-        </p:blipFill>
-        <p:spPr>
-          <a:xfrm>
-            <a:off x="5350644" y="3429000"/>
-            <a:ext cx="6841355" cy="3429000"/>
-          </a:xfrm>
-          <a:prstGeom prst="rect">
-            <a:avLst/>
-          </a:prstGeom>
-        </p:spPr>
-      </p:pic>
-      <p:sp>
-        <p:nvSpPr>
-          <p:cNvPr id="8" name="Content Placeholder 2">
-            <a:extLst>
-              <a:ext uri="{FF2B5EF4-FFF2-40B4-BE49-F238E27FC236}">
-                <a16:creationId xmlns:a16="http://schemas.microsoft.com/office/drawing/2014/main" id="{DA5A4C4D-D509-AC15-517A-07157BB9C6DA}"/>
-              </a:ext>
-            </a:extLst>
-          </p:cNvPr>
-          <p:cNvSpPr>
-            <a:spLocks noGrp="1"/>
-          </p:cNvSpPr>
-          <p:nvPr>
-            <p:ph idx="1"/>
-          </p:nvPr>
-        </p:nvSpPr>
-        <p:spPr>
-          <a:xfrm>
-            <a:off x="966537" y="3669030"/>
-            <a:ext cx="3417570" cy="2948940"/>
-          </a:xfrm>
-        </p:spPr>
-        <p:txBody>
-          <a:bodyPr>
-            <a:normAutofit/>
-          </a:bodyPr>
-          <a:lstStyle/>
-          <a:p>
-            <a:pPr marL="0" indent="0" algn="ctr">
-              <a:spcBef>
-                <a:spcPts val="0"/>
-              </a:spcBef>
-              <a:spcAft>
-                <a:spcPts val="0"/>
-              </a:spcAft>
-              <a:buNone/>
-            </a:pPr>
-            <a:r>
-              <a:rPr lang="en-US" dirty="0"/>
-              <a:t>Comparison of domestic and international travelers by holiday. </a:t>
-            </a:r>
-          </a:p>
-          <a:p>
-            <a:pPr marL="0" indent="0" algn="ctr">
-              <a:spcBef>
-                <a:spcPts val="0"/>
-              </a:spcBef>
-              <a:spcAft>
-                <a:spcPts val="0"/>
-              </a:spcAft>
-              <a:buNone/>
-            </a:pPr>
-            <a:endParaRPr lang="en-US" dirty="0"/>
-          </a:p>
-          <a:p>
-            <a:pPr marL="0" indent="0" algn="ctr">
-              <a:spcBef>
-                <a:spcPts val="0"/>
-              </a:spcBef>
-              <a:spcAft>
-                <a:spcPts val="0"/>
-              </a:spcAft>
-              <a:buNone/>
-            </a:pPr>
-            <a:endParaRPr lang="en-US" dirty="0"/>
-          </a:p>
-          <a:p>
-            <a:pPr marL="0" indent="0" algn="ctr">
-              <a:spcBef>
-                <a:spcPts val="0"/>
-              </a:spcBef>
-              <a:spcAft>
-                <a:spcPts val="0"/>
-              </a:spcAft>
-              <a:buNone/>
-            </a:pPr>
-            <a:r>
-              <a:rPr lang="en-US" dirty="0"/>
-              <a:t>Comparison of Domestic and International Travelers by month.</a:t>
-            </a:r>
-          </a:p>
-        </p:txBody>
-      </p:sp>
-      <p:sp>
-        <p:nvSpPr>
-          <p:cNvPr id="9" name="Down Arrow 8">
-            <a:extLst>
-              <a:ext uri="{FF2B5EF4-FFF2-40B4-BE49-F238E27FC236}">
-                <a16:creationId xmlns:a16="http://schemas.microsoft.com/office/drawing/2014/main" id="{C8FB0B9F-D79B-E56C-A909-68FF2394C9D0}"/>
-              </a:ext>
-            </a:extLst>
-          </p:cNvPr>
-          <p:cNvSpPr/>
-          <p:nvPr/>
-        </p:nvSpPr>
-        <p:spPr>
-          <a:xfrm rot="16200000">
-            <a:off x="4803559" y="5459293"/>
-            <a:ext cx="127632" cy="795262"/>
-          </a:xfrm>
-          <a:prstGeom prst="downArrow">
-            <a:avLst/>
-          </a:prstGeom>
-          <a:solidFill>
-            <a:schemeClr val="tx1"/>
-          </a:solidFill>
-          <a:ln>
-            <a:solidFill>
-              <a:schemeClr val="tx1"/>
-            </a:solidFill>
-          </a:ln>
-        </p:spPr>
-        <p:style>
-          <a:lnRef idx="2">
-            <a:schemeClr val="accent1">
-              <a:shade val="15000"/>
-            </a:schemeClr>
-          </a:lnRef>
-          <a:fillRef idx="1">
-            <a:schemeClr val="accent1"/>
-          </a:fillRef>
-          <a:effectRef idx="0">
-            <a:schemeClr val="accent1"/>
-          </a:effectRef>
-          <a:fontRef idx="minor">
-            <a:schemeClr val="lt1"/>
-          </a:fontRef>
-        </p:style>
-        <p:txBody>
-          <a:bodyPr rtlCol="0" anchor="ctr"/>
-          <a:lstStyle/>
-          <a:p>
-            <a:pPr algn="ctr"/>
-            <a:endParaRPr lang="en-US">
-              <a:ln>
-                <a:solidFill>
-                  <a:schemeClr val="tx2"/>
-                </a:solidFill>
-              </a:ln>
-              <a:solidFill>
-                <a:schemeClr val="tx2"/>
-              </a:solidFill>
-            </a:endParaRPr>
-          </a:p>
-        </p:txBody>
-      </p:sp>
-      <p:sp>
-        <p:nvSpPr>
-          <p:cNvPr id="10" name="Down Arrow 9">
-            <a:extLst>
-              <a:ext uri="{FF2B5EF4-FFF2-40B4-BE49-F238E27FC236}">
-                <a16:creationId xmlns:a16="http://schemas.microsoft.com/office/drawing/2014/main" id="{3BBAF1B2-7160-2C64-DC29-3F4BC15AF2B0}"/>
-              </a:ext>
-            </a:extLst>
-          </p:cNvPr>
-          <p:cNvSpPr/>
-          <p:nvPr/>
-        </p:nvSpPr>
-        <p:spPr>
-          <a:xfrm rot="10800000" flipH="1">
-            <a:off x="2629953" y="3487578"/>
-            <a:ext cx="90739" cy="362903"/>
-          </a:xfrm>
-          <a:prstGeom prst="downArrow">
-            <a:avLst/>
-          </a:prstGeom>
-          <a:solidFill>
-            <a:schemeClr val="tx1"/>
-          </a:solidFill>
-          <a:ln>
-            <a:solidFill>
-              <a:schemeClr val="tx1"/>
-            </a:solidFill>
-          </a:ln>
-        </p:spPr>
-        <p:style>
-          <a:lnRef idx="2">
-            <a:schemeClr val="accent1">
-              <a:shade val="15000"/>
-            </a:schemeClr>
-          </a:lnRef>
-          <a:fillRef idx="1">
-            <a:schemeClr val="accent1"/>
-          </a:fillRef>
-          <a:effectRef idx="0">
-            <a:schemeClr val="accent1"/>
-          </a:effectRef>
-          <a:fontRef idx="minor">
-            <a:schemeClr val="lt1"/>
-          </a:fontRef>
-        </p:style>
-        <p:txBody>
-          <a:bodyPr rtlCol="0" anchor="ctr"/>
-          <a:lstStyle/>
-          <a:p>
-            <a:pPr algn="ctr"/>
-            <a:endParaRPr lang="en-US">
-              <a:ln>
-                <a:solidFill>
-                  <a:schemeClr val="tx2"/>
-                </a:solidFill>
-              </a:ln>
-              <a:solidFill>
-                <a:schemeClr val="tx2"/>
-              </a:solidFill>
-            </a:endParaRPr>
-          </a:p>
-        </p:txBody>
-      </p:sp>
-    </p:spTree>
-    <p:extLst>
-      <p:ext uri="{BB962C8B-B14F-4D97-AF65-F5344CB8AC3E}">
-        <p14:creationId xmlns:p14="http://schemas.microsoft.com/office/powerpoint/2010/main" val="2008460676"/>
       </p:ext>
     </p:extLst>
   </p:cSld>

--- a/Project3.pptx
+++ b/Project3.pptx
@@ -531,6 +531,12 @@
               <a:rPr lang="en-US" dirty="0"/>
               <a:t>AXEL</a:t>
             </a:r>
+          </a:p>
+          <a:p>
+            <a:endParaRPr lang="en-US"/>
+          </a:p>
+          <a:p>
+            <a:endParaRPr lang="en-US" dirty="0"/>
           </a:p>
         </p:txBody>
       </p:sp>

--- a/Project3.pptx
+++ b/Project3.pptx
@@ -528,14 +528,9 @@
           <a:lstStyle/>
           <a:p>
             <a:r>
-              <a:rPr lang="en-US" dirty="0"/>
+              <a:rPr lang="en-US"/>
               <a:t>AXEL</a:t>
             </a:r>
-          </a:p>
-          <a:p>
-            <a:endParaRPr lang="en-US"/>
-          </a:p>
-          <a:p>
             <a:endParaRPr lang="en-US" dirty="0"/>
           </a:p>
         </p:txBody>
